--- a/ppt 16-9/0953.谁肯辞世界.pptx
+++ b/ppt 16-9/0953.谁肯辞世界.pptx
@@ -5,7 +5,7 @@
     <p:sldMasterId id="2147483648" r:id="rId1"/>
   </p:sldMasterIdLst>
   <p:sldIdLst>
-    <p:sldId id="338" r:id="rId2"/>
+    <p:sldId id="340" r:id="rId2"/>
   </p:sldIdLst>
   <p:sldSz cx="12192000" cy="6858000"/>
   <p:notesSz cx="6858000" cy="9144000"/>
@@ -129,7 +129,7 @@
           <p:cNvPr id="2" name="标题 1">
             <a:extLst>
               <a:ext uri="{FF2B5EF4-FFF2-40B4-BE49-F238E27FC236}">
-                <a16:creationId xmlns:a16="http://schemas.microsoft.com/office/drawing/2014/main" id="{1765DD40-FC89-430F-7F32-EF778E631C86}"/>
+                <a16:creationId xmlns:a16="http://schemas.microsoft.com/office/drawing/2014/main" id="{88BFA474-6112-362E-482B-7A40DC76BBA0}"/>
               </a:ext>
             </a:extLst>
           </p:cNvPr>
@@ -166,7 +166,7 @@
           <p:cNvPr id="3" name="副标题 2">
             <a:extLst>
               <a:ext uri="{FF2B5EF4-FFF2-40B4-BE49-F238E27FC236}">
-                <a16:creationId xmlns:a16="http://schemas.microsoft.com/office/drawing/2014/main" id="{04A065E5-4168-CBAF-F877-0007DC808ADF}"/>
+                <a16:creationId xmlns:a16="http://schemas.microsoft.com/office/drawing/2014/main" id="{332DEB23-F3B4-679F-EC2B-CD5E096A4373}"/>
               </a:ext>
             </a:extLst>
           </p:cNvPr>
@@ -236,7 +236,7 @@
           <p:cNvPr id="4" name="日期占位符 3">
             <a:extLst>
               <a:ext uri="{FF2B5EF4-FFF2-40B4-BE49-F238E27FC236}">
-                <a16:creationId xmlns:a16="http://schemas.microsoft.com/office/drawing/2014/main" id="{7BAF348E-E21F-EB5D-2527-06EF49865F34}"/>
+                <a16:creationId xmlns:a16="http://schemas.microsoft.com/office/drawing/2014/main" id="{0611CEE1-3A3F-18EF-44FB-9876747D0D8B}"/>
               </a:ext>
             </a:extLst>
           </p:cNvPr>
@@ -252,7 +252,7 @@
           <a:bodyPr/>
           <a:lstStyle/>
           <a:p>
-            <a:fld id="{A2CD8443-4593-4BFC-9CC3-312047B3BEFD}" type="datetimeFigureOut">
+            <a:fld id="{551EF760-7C2C-4FDE-A8DB-2FF7843E531E}" type="datetimeFigureOut">
               <a:rPr lang="zh-CN" altLang="en-US" smtClean="0"/>
               <a:t>2024/3/10</a:t>
             </a:fld>
@@ -265,7 +265,7 @@
           <p:cNvPr id="5" name="页脚占位符 4">
             <a:extLst>
               <a:ext uri="{FF2B5EF4-FFF2-40B4-BE49-F238E27FC236}">
-                <a16:creationId xmlns:a16="http://schemas.microsoft.com/office/drawing/2014/main" id="{082AF6B3-3596-8E01-7926-AFDBF4F7FE16}"/>
+                <a16:creationId xmlns:a16="http://schemas.microsoft.com/office/drawing/2014/main" id="{46FF0B51-B201-2687-B2BE-5F9C3D1734DE}"/>
               </a:ext>
             </a:extLst>
           </p:cNvPr>
@@ -290,7 +290,7 @@
           <p:cNvPr id="6" name="灯片编号占位符 5">
             <a:extLst>
               <a:ext uri="{FF2B5EF4-FFF2-40B4-BE49-F238E27FC236}">
-                <a16:creationId xmlns:a16="http://schemas.microsoft.com/office/drawing/2014/main" id="{5995DAD5-8B6B-304E-5B18-F50A457A0893}"/>
+                <a16:creationId xmlns:a16="http://schemas.microsoft.com/office/drawing/2014/main" id="{67A924ED-DB7B-E527-2A92-E6A2B9C07886}"/>
               </a:ext>
             </a:extLst>
           </p:cNvPr>
@@ -306,7 +306,7 @@
           <a:bodyPr/>
           <a:lstStyle/>
           <a:p>
-            <a:fld id="{FA51E625-E145-476B-A325-EC8F1FC8BE0C}" type="slidenum">
+            <a:fld id="{33E2252E-A725-48E1-9F16-83FB37893C3B}" type="slidenum">
               <a:rPr lang="zh-CN" altLang="en-US" smtClean="0"/>
               <a:t>‹#›</a:t>
             </a:fld>
@@ -317,7 +317,7 @@
     </p:spTree>
     <p:extLst>
       <p:ext uri="{BB962C8B-B14F-4D97-AF65-F5344CB8AC3E}">
-        <p14:creationId xmlns:p14="http://schemas.microsoft.com/office/powerpoint/2010/main" val="2514955322"/>
+        <p14:creationId xmlns:p14="http://schemas.microsoft.com/office/powerpoint/2010/main" val="2732256750"/>
       </p:ext>
     </p:extLst>
   </p:cSld>
@@ -349,7 +349,7 @@
           <p:cNvPr id="2" name="标题 1">
             <a:extLst>
               <a:ext uri="{FF2B5EF4-FFF2-40B4-BE49-F238E27FC236}">
-                <a16:creationId xmlns:a16="http://schemas.microsoft.com/office/drawing/2014/main" id="{677DA432-AA0C-5A48-1775-B94BFB50C8D2}"/>
+                <a16:creationId xmlns:a16="http://schemas.microsoft.com/office/drawing/2014/main" id="{58D6309F-A739-2411-81D7-54D192727B66}"/>
               </a:ext>
             </a:extLst>
           </p:cNvPr>
@@ -377,7 +377,7 @@
           <p:cNvPr id="3" name="竖排文字占位符 2">
             <a:extLst>
               <a:ext uri="{FF2B5EF4-FFF2-40B4-BE49-F238E27FC236}">
-                <a16:creationId xmlns:a16="http://schemas.microsoft.com/office/drawing/2014/main" id="{7A3A833B-F6A8-C57D-9969-C0F0A0AE9828}"/>
+                <a16:creationId xmlns:a16="http://schemas.microsoft.com/office/drawing/2014/main" id="{ADF58F32-6957-5D4C-2D73-DD3862BC3C21}"/>
               </a:ext>
             </a:extLst>
           </p:cNvPr>
@@ -434,7 +434,7 @@
           <p:cNvPr id="4" name="日期占位符 3">
             <a:extLst>
               <a:ext uri="{FF2B5EF4-FFF2-40B4-BE49-F238E27FC236}">
-                <a16:creationId xmlns:a16="http://schemas.microsoft.com/office/drawing/2014/main" id="{B9094F0E-5285-BDBD-3439-17D7EA1E497B}"/>
+                <a16:creationId xmlns:a16="http://schemas.microsoft.com/office/drawing/2014/main" id="{449561C6-0061-6758-16FD-E0C4324D2BFF}"/>
               </a:ext>
             </a:extLst>
           </p:cNvPr>
@@ -450,7 +450,7 @@
           <a:bodyPr/>
           <a:lstStyle/>
           <a:p>
-            <a:fld id="{A2CD8443-4593-4BFC-9CC3-312047B3BEFD}" type="datetimeFigureOut">
+            <a:fld id="{551EF760-7C2C-4FDE-A8DB-2FF7843E531E}" type="datetimeFigureOut">
               <a:rPr lang="zh-CN" altLang="en-US" smtClean="0"/>
               <a:t>2024/3/10</a:t>
             </a:fld>
@@ -463,7 +463,7 @@
           <p:cNvPr id="5" name="页脚占位符 4">
             <a:extLst>
               <a:ext uri="{FF2B5EF4-FFF2-40B4-BE49-F238E27FC236}">
-                <a16:creationId xmlns:a16="http://schemas.microsoft.com/office/drawing/2014/main" id="{2828D25E-1A19-4711-EDCF-4D3BC13EDB53}"/>
+                <a16:creationId xmlns:a16="http://schemas.microsoft.com/office/drawing/2014/main" id="{8369286D-23C8-8CDD-19E6-13B3F544C4F0}"/>
               </a:ext>
             </a:extLst>
           </p:cNvPr>
@@ -488,7 +488,7 @@
           <p:cNvPr id="6" name="灯片编号占位符 5">
             <a:extLst>
               <a:ext uri="{FF2B5EF4-FFF2-40B4-BE49-F238E27FC236}">
-                <a16:creationId xmlns:a16="http://schemas.microsoft.com/office/drawing/2014/main" id="{EAB85C89-FD04-CAE3-AFE3-040DFCF88A1F}"/>
+                <a16:creationId xmlns:a16="http://schemas.microsoft.com/office/drawing/2014/main" id="{EBC30A1F-6EF5-EF81-ED19-4B08372D6E7A}"/>
               </a:ext>
             </a:extLst>
           </p:cNvPr>
@@ -504,7 +504,7 @@
           <a:bodyPr/>
           <a:lstStyle/>
           <a:p>
-            <a:fld id="{FA51E625-E145-476B-A325-EC8F1FC8BE0C}" type="slidenum">
+            <a:fld id="{33E2252E-A725-48E1-9F16-83FB37893C3B}" type="slidenum">
               <a:rPr lang="zh-CN" altLang="en-US" smtClean="0"/>
               <a:t>‹#›</a:t>
             </a:fld>
@@ -515,7 +515,7 @@
     </p:spTree>
     <p:extLst>
       <p:ext uri="{BB962C8B-B14F-4D97-AF65-F5344CB8AC3E}">
-        <p14:creationId xmlns:p14="http://schemas.microsoft.com/office/powerpoint/2010/main" val="460696435"/>
+        <p14:creationId xmlns:p14="http://schemas.microsoft.com/office/powerpoint/2010/main" val="277784952"/>
       </p:ext>
     </p:extLst>
   </p:cSld>
@@ -547,7 +547,7 @@
           <p:cNvPr id="2" name="竖排标题 1">
             <a:extLst>
               <a:ext uri="{FF2B5EF4-FFF2-40B4-BE49-F238E27FC236}">
-                <a16:creationId xmlns:a16="http://schemas.microsoft.com/office/drawing/2014/main" id="{3F524C23-4D34-D7AB-6A37-FD8E7CEEE7A3}"/>
+                <a16:creationId xmlns:a16="http://schemas.microsoft.com/office/drawing/2014/main" id="{76FF20F9-0A7A-9674-77D6-660F43A1896E}"/>
               </a:ext>
             </a:extLst>
           </p:cNvPr>
@@ -580,7 +580,7 @@
           <p:cNvPr id="3" name="竖排文字占位符 2">
             <a:extLst>
               <a:ext uri="{FF2B5EF4-FFF2-40B4-BE49-F238E27FC236}">
-                <a16:creationId xmlns:a16="http://schemas.microsoft.com/office/drawing/2014/main" id="{69525171-114C-6574-F450-2BFE8801A3D3}"/>
+                <a16:creationId xmlns:a16="http://schemas.microsoft.com/office/drawing/2014/main" id="{89020C8A-2DC0-1BF9-DA56-828E376782B9}"/>
               </a:ext>
             </a:extLst>
           </p:cNvPr>
@@ -642,7 +642,7 @@
           <p:cNvPr id="4" name="日期占位符 3">
             <a:extLst>
               <a:ext uri="{FF2B5EF4-FFF2-40B4-BE49-F238E27FC236}">
-                <a16:creationId xmlns:a16="http://schemas.microsoft.com/office/drawing/2014/main" id="{D79CA78E-A0AA-0A6C-F279-723C472017B0}"/>
+                <a16:creationId xmlns:a16="http://schemas.microsoft.com/office/drawing/2014/main" id="{C5DEF3AB-63EC-F476-465E-089C06F46613}"/>
               </a:ext>
             </a:extLst>
           </p:cNvPr>
@@ -658,7 +658,7 @@
           <a:bodyPr/>
           <a:lstStyle/>
           <a:p>
-            <a:fld id="{A2CD8443-4593-4BFC-9CC3-312047B3BEFD}" type="datetimeFigureOut">
+            <a:fld id="{551EF760-7C2C-4FDE-A8DB-2FF7843E531E}" type="datetimeFigureOut">
               <a:rPr lang="zh-CN" altLang="en-US" smtClean="0"/>
               <a:t>2024/3/10</a:t>
             </a:fld>
@@ -671,7 +671,7 @@
           <p:cNvPr id="5" name="页脚占位符 4">
             <a:extLst>
               <a:ext uri="{FF2B5EF4-FFF2-40B4-BE49-F238E27FC236}">
-                <a16:creationId xmlns:a16="http://schemas.microsoft.com/office/drawing/2014/main" id="{3EE66BAB-F0B5-2980-6E18-0E5B6B454516}"/>
+                <a16:creationId xmlns:a16="http://schemas.microsoft.com/office/drawing/2014/main" id="{5677B4DF-5FD4-7D65-5DF7-05A949649B00}"/>
               </a:ext>
             </a:extLst>
           </p:cNvPr>
@@ -696,7 +696,7 @@
           <p:cNvPr id="6" name="灯片编号占位符 5">
             <a:extLst>
               <a:ext uri="{FF2B5EF4-FFF2-40B4-BE49-F238E27FC236}">
-                <a16:creationId xmlns:a16="http://schemas.microsoft.com/office/drawing/2014/main" id="{5E77C123-6749-474B-DBDB-00211E22E6FA}"/>
+                <a16:creationId xmlns:a16="http://schemas.microsoft.com/office/drawing/2014/main" id="{68EC3C79-254B-6D26-DEC5-38F11F89779B}"/>
               </a:ext>
             </a:extLst>
           </p:cNvPr>
@@ -712,7 +712,7 @@
           <a:bodyPr/>
           <a:lstStyle/>
           <a:p>
-            <a:fld id="{FA51E625-E145-476B-A325-EC8F1FC8BE0C}" type="slidenum">
+            <a:fld id="{33E2252E-A725-48E1-9F16-83FB37893C3B}" type="slidenum">
               <a:rPr lang="zh-CN" altLang="en-US" smtClean="0"/>
               <a:t>‹#›</a:t>
             </a:fld>
@@ -723,7 +723,7 @@
     </p:spTree>
     <p:extLst>
       <p:ext uri="{BB962C8B-B14F-4D97-AF65-F5344CB8AC3E}">
-        <p14:creationId xmlns:p14="http://schemas.microsoft.com/office/powerpoint/2010/main" val="2465639372"/>
+        <p14:creationId xmlns:p14="http://schemas.microsoft.com/office/powerpoint/2010/main" val="1320096675"/>
       </p:ext>
     </p:extLst>
   </p:cSld>
@@ -755,7 +755,7 @@
           <p:cNvPr id="2" name="标题 1">
             <a:extLst>
               <a:ext uri="{FF2B5EF4-FFF2-40B4-BE49-F238E27FC236}">
-                <a16:creationId xmlns:a16="http://schemas.microsoft.com/office/drawing/2014/main" id="{633A15E2-F6CC-1D71-4344-BC0B7D2BFE43}"/>
+                <a16:creationId xmlns:a16="http://schemas.microsoft.com/office/drawing/2014/main" id="{047F3025-7688-7C89-982A-CB7A54B00A12}"/>
               </a:ext>
             </a:extLst>
           </p:cNvPr>
@@ -783,7 +783,7 @@
           <p:cNvPr id="3" name="内容占位符 2">
             <a:extLst>
               <a:ext uri="{FF2B5EF4-FFF2-40B4-BE49-F238E27FC236}">
-                <a16:creationId xmlns:a16="http://schemas.microsoft.com/office/drawing/2014/main" id="{336E5E79-4C60-A180-774A-64659B9FA664}"/>
+                <a16:creationId xmlns:a16="http://schemas.microsoft.com/office/drawing/2014/main" id="{107D3037-816A-1F35-28C8-058F696B4A1A}"/>
               </a:ext>
             </a:extLst>
           </p:cNvPr>
@@ -840,7 +840,7 @@
           <p:cNvPr id="4" name="日期占位符 3">
             <a:extLst>
               <a:ext uri="{FF2B5EF4-FFF2-40B4-BE49-F238E27FC236}">
-                <a16:creationId xmlns:a16="http://schemas.microsoft.com/office/drawing/2014/main" id="{CF536A46-286D-74A8-83A0-CC952954A8BE}"/>
+                <a16:creationId xmlns:a16="http://schemas.microsoft.com/office/drawing/2014/main" id="{7D8B9B09-E89A-EBF8-5996-D3B5406FC020}"/>
               </a:ext>
             </a:extLst>
           </p:cNvPr>
@@ -856,7 +856,7 @@
           <a:bodyPr/>
           <a:lstStyle/>
           <a:p>
-            <a:fld id="{A2CD8443-4593-4BFC-9CC3-312047B3BEFD}" type="datetimeFigureOut">
+            <a:fld id="{551EF760-7C2C-4FDE-A8DB-2FF7843E531E}" type="datetimeFigureOut">
               <a:rPr lang="zh-CN" altLang="en-US" smtClean="0"/>
               <a:t>2024/3/10</a:t>
             </a:fld>
@@ -869,7 +869,7 @@
           <p:cNvPr id="5" name="页脚占位符 4">
             <a:extLst>
               <a:ext uri="{FF2B5EF4-FFF2-40B4-BE49-F238E27FC236}">
-                <a16:creationId xmlns:a16="http://schemas.microsoft.com/office/drawing/2014/main" id="{68956554-0E72-25B8-247D-9A6FE65F6CF4}"/>
+                <a16:creationId xmlns:a16="http://schemas.microsoft.com/office/drawing/2014/main" id="{6008A9AE-49C0-E786-2537-3315D3401ECA}"/>
               </a:ext>
             </a:extLst>
           </p:cNvPr>
@@ -894,7 +894,7 @@
           <p:cNvPr id="6" name="灯片编号占位符 5">
             <a:extLst>
               <a:ext uri="{FF2B5EF4-FFF2-40B4-BE49-F238E27FC236}">
-                <a16:creationId xmlns:a16="http://schemas.microsoft.com/office/drawing/2014/main" id="{7A5C63A1-1454-BAB5-E2C3-4D515539F43B}"/>
+                <a16:creationId xmlns:a16="http://schemas.microsoft.com/office/drawing/2014/main" id="{33B5E6AC-3C5D-E911-8C8A-D13800D076C2}"/>
               </a:ext>
             </a:extLst>
           </p:cNvPr>
@@ -910,7 +910,7 @@
           <a:bodyPr/>
           <a:lstStyle/>
           <a:p>
-            <a:fld id="{FA51E625-E145-476B-A325-EC8F1FC8BE0C}" type="slidenum">
+            <a:fld id="{33E2252E-A725-48E1-9F16-83FB37893C3B}" type="slidenum">
               <a:rPr lang="zh-CN" altLang="en-US" smtClean="0"/>
               <a:t>‹#›</a:t>
             </a:fld>
@@ -921,7 +921,7 @@
     </p:spTree>
     <p:extLst>
       <p:ext uri="{BB962C8B-B14F-4D97-AF65-F5344CB8AC3E}">
-        <p14:creationId xmlns:p14="http://schemas.microsoft.com/office/powerpoint/2010/main" val="3482712729"/>
+        <p14:creationId xmlns:p14="http://schemas.microsoft.com/office/powerpoint/2010/main" val="2597158773"/>
       </p:ext>
     </p:extLst>
   </p:cSld>
@@ -953,7 +953,7 @@
           <p:cNvPr id="2" name="标题 1">
             <a:extLst>
               <a:ext uri="{FF2B5EF4-FFF2-40B4-BE49-F238E27FC236}">
-                <a16:creationId xmlns:a16="http://schemas.microsoft.com/office/drawing/2014/main" id="{F62C6036-4DB0-2A48-6043-AD4A256DFA78}"/>
+                <a16:creationId xmlns:a16="http://schemas.microsoft.com/office/drawing/2014/main" id="{44D23370-6F5F-2481-FB5E-EB11F83C04C5}"/>
               </a:ext>
             </a:extLst>
           </p:cNvPr>
@@ -990,7 +990,7 @@
           <p:cNvPr id="3" name="文本占位符 2">
             <a:extLst>
               <a:ext uri="{FF2B5EF4-FFF2-40B4-BE49-F238E27FC236}">
-                <a16:creationId xmlns:a16="http://schemas.microsoft.com/office/drawing/2014/main" id="{DC6374A4-D50E-47F2-7CB4-732530F5CB1F}"/>
+                <a16:creationId xmlns:a16="http://schemas.microsoft.com/office/drawing/2014/main" id="{994EF430-8718-DD2A-4290-DC7C8E7171A0}"/>
               </a:ext>
             </a:extLst>
           </p:cNvPr>
@@ -1115,7 +1115,7 @@
           <p:cNvPr id="4" name="日期占位符 3">
             <a:extLst>
               <a:ext uri="{FF2B5EF4-FFF2-40B4-BE49-F238E27FC236}">
-                <a16:creationId xmlns:a16="http://schemas.microsoft.com/office/drawing/2014/main" id="{173A81FC-6FC8-6B99-3D7A-6E3702936120}"/>
+                <a16:creationId xmlns:a16="http://schemas.microsoft.com/office/drawing/2014/main" id="{D0A6431F-D50D-3FAA-54C8-A31D27592352}"/>
               </a:ext>
             </a:extLst>
           </p:cNvPr>
@@ -1131,7 +1131,7 @@
           <a:bodyPr/>
           <a:lstStyle/>
           <a:p>
-            <a:fld id="{A2CD8443-4593-4BFC-9CC3-312047B3BEFD}" type="datetimeFigureOut">
+            <a:fld id="{551EF760-7C2C-4FDE-A8DB-2FF7843E531E}" type="datetimeFigureOut">
               <a:rPr lang="zh-CN" altLang="en-US" smtClean="0"/>
               <a:t>2024/3/10</a:t>
             </a:fld>
@@ -1144,7 +1144,7 @@
           <p:cNvPr id="5" name="页脚占位符 4">
             <a:extLst>
               <a:ext uri="{FF2B5EF4-FFF2-40B4-BE49-F238E27FC236}">
-                <a16:creationId xmlns:a16="http://schemas.microsoft.com/office/drawing/2014/main" id="{1E293161-0C84-7CFD-5CD5-28AB00E1BE3F}"/>
+                <a16:creationId xmlns:a16="http://schemas.microsoft.com/office/drawing/2014/main" id="{F6FB08AE-40A7-4D47-B6D7-5710DCE55400}"/>
               </a:ext>
             </a:extLst>
           </p:cNvPr>
@@ -1169,7 +1169,7 @@
           <p:cNvPr id="6" name="灯片编号占位符 5">
             <a:extLst>
               <a:ext uri="{FF2B5EF4-FFF2-40B4-BE49-F238E27FC236}">
-                <a16:creationId xmlns:a16="http://schemas.microsoft.com/office/drawing/2014/main" id="{ACD0D739-6A5A-D992-D97C-A7EB442BF951}"/>
+                <a16:creationId xmlns:a16="http://schemas.microsoft.com/office/drawing/2014/main" id="{92F64168-FDBF-E620-3D6D-36845B06A195}"/>
               </a:ext>
             </a:extLst>
           </p:cNvPr>
@@ -1185,7 +1185,7 @@
           <a:bodyPr/>
           <a:lstStyle/>
           <a:p>
-            <a:fld id="{FA51E625-E145-476B-A325-EC8F1FC8BE0C}" type="slidenum">
+            <a:fld id="{33E2252E-A725-48E1-9F16-83FB37893C3B}" type="slidenum">
               <a:rPr lang="zh-CN" altLang="en-US" smtClean="0"/>
               <a:t>‹#›</a:t>
             </a:fld>
@@ -1196,7 +1196,7 @@
     </p:spTree>
     <p:extLst>
       <p:ext uri="{BB962C8B-B14F-4D97-AF65-F5344CB8AC3E}">
-        <p14:creationId xmlns:p14="http://schemas.microsoft.com/office/powerpoint/2010/main" val="3073095511"/>
+        <p14:creationId xmlns:p14="http://schemas.microsoft.com/office/powerpoint/2010/main" val="1883098549"/>
       </p:ext>
     </p:extLst>
   </p:cSld>
@@ -1228,7 +1228,7 @@
           <p:cNvPr id="2" name="标题 1">
             <a:extLst>
               <a:ext uri="{FF2B5EF4-FFF2-40B4-BE49-F238E27FC236}">
-                <a16:creationId xmlns:a16="http://schemas.microsoft.com/office/drawing/2014/main" id="{2240AE9D-DC2F-D4DC-825E-73727DA3063F}"/>
+                <a16:creationId xmlns:a16="http://schemas.microsoft.com/office/drawing/2014/main" id="{F923DE76-659A-E0D5-799B-D402F7C0AAAA}"/>
               </a:ext>
             </a:extLst>
           </p:cNvPr>
@@ -1256,7 +1256,7 @@
           <p:cNvPr id="3" name="内容占位符 2">
             <a:extLst>
               <a:ext uri="{FF2B5EF4-FFF2-40B4-BE49-F238E27FC236}">
-                <a16:creationId xmlns:a16="http://schemas.microsoft.com/office/drawing/2014/main" id="{6FBC5943-6121-77AA-589C-2A0220CA77A7}"/>
+                <a16:creationId xmlns:a16="http://schemas.microsoft.com/office/drawing/2014/main" id="{A1B10C61-D0E6-6BB1-2EBF-6D3912DCC73B}"/>
               </a:ext>
             </a:extLst>
           </p:cNvPr>
@@ -1318,7 +1318,7 @@
           <p:cNvPr id="4" name="内容占位符 3">
             <a:extLst>
               <a:ext uri="{FF2B5EF4-FFF2-40B4-BE49-F238E27FC236}">
-                <a16:creationId xmlns:a16="http://schemas.microsoft.com/office/drawing/2014/main" id="{923DF839-A0C1-92C9-9AE3-4E1EBEF11010}"/>
+                <a16:creationId xmlns:a16="http://schemas.microsoft.com/office/drawing/2014/main" id="{26175043-2110-497D-5955-7A57C6D22C93}"/>
               </a:ext>
             </a:extLst>
           </p:cNvPr>
@@ -1380,7 +1380,7 @@
           <p:cNvPr id="5" name="日期占位符 4">
             <a:extLst>
               <a:ext uri="{FF2B5EF4-FFF2-40B4-BE49-F238E27FC236}">
-                <a16:creationId xmlns:a16="http://schemas.microsoft.com/office/drawing/2014/main" id="{50626A84-CB46-B4F5-DFF9-BB3D9F377629}"/>
+                <a16:creationId xmlns:a16="http://schemas.microsoft.com/office/drawing/2014/main" id="{CB08336C-4899-1EBC-2F5F-C5602D133E45}"/>
               </a:ext>
             </a:extLst>
           </p:cNvPr>
@@ -1396,7 +1396,7 @@
           <a:bodyPr/>
           <a:lstStyle/>
           <a:p>
-            <a:fld id="{A2CD8443-4593-4BFC-9CC3-312047B3BEFD}" type="datetimeFigureOut">
+            <a:fld id="{551EF760-7C2C-4FDE-A8DB-2FF7843E531E}" type="datetimeFigureOut">
               <a:rPr lang="zh-CN" altLang="en-US" smtClean="0"/>
               <a:t>2024/3/10</a:t>
             </a:fld>
@@ -1409,7 +1409,7 @@
           <p:cNvPr id="6" name="页脚占位符 5">
             <a:extLst>
               <a:ext uri="{FF2B5EF4-FFF2-40B4-BE49-F238E27FC236}">
-                <a16:creationId xmlns:a16="http://schemas.microsoft.com/office/drawing/2014/main" id="{69ADC268-6FFA-8462-4C8E-E12F9D1FDAD7}"/>
+                <a16:creationId xmlns:a16="http://schemas.microsoft.com/office/drawing/2014/main" id="{28E0B267-398F-BB28-5D2A-DA0D10E15707}"/>
               </a:ext>
             </a:extLst>
           </p:cNvPr>
@@ -1434,7 +1434,7 @@
           <p:cNvPr id="7" name="灯片编号占位符 6">
             <a:extLst>
               <a:ext uri="{FF2B5EF4-FFF2-40B4-BE49-F238E27FC236}">
-                <a16:creationId xmlns:a16="http://schemas.microsoft.com/office/drawing/2014/main" id="{FC982055-C7EB-B019-3199-A43D863540A2}"/>
+                <a16:creationId xmlns:a16="http://schemas.microsoft.com/office/drawing/2014/main" id="{39CABF6E-63E9-A5C9-E55F-1433B59EAB4C}"/>
               </a:ext>
             </a:extLst>
           </p:cNvPr>
@@ -1450,7 +1450,7 @@
           <a:bodyPr/>
           <a:lstStyle/>
           <a:p>
-            <a:fld id="{FA51E625-E145-476B-A325-EC8F1FC8BE0C}" type="slidenum">
+            <a:fld id="{33E2252E-A725-48E1-9F16-83FB37893C3B}" type="slidenum">
               <a:rPr lang="zh-CN" altLang="en-US" smtClean="0"/>
               <a:t>‹#›</a:t>
             </a:fld>
@@ -1461,7 +1461,7 @@
     </p:spTree>
     <p:extLst>
       <p:ext uri="{BB962C8B-B14F-4D97-AF65-F5344CB8AC3E}">
-        <p14:creationId xmlns:p14="http://schemas.microsoft.com/office/powerpoint/2010/main" val="2672230263"/>
+        <p14:creationId xmlns:p14="http://schemas.microsoft.com/office/powerpoint/2010/main" val="873166352"/>
       </p:ext>
     </p:extLst>
   </p:cSld>
@@ -1493,7 +1493,7 @@
           <p:cNvPr id="2" name="标题 1">
             <a:extLst>
               <a:ext uri="{FF2B5EF4-FFF2-40B4-BE49-F238E27FC236}">
-                <a16:creationId xmlns:a16="http://schemas.microsoft.com/office/drawing/2014/main" id="{AF34F129-99EE-45BC-E0E0-ADD25E9AAA86}"/>
+                <a16:creationId xmlns:a16="http://schemas.microsoft.com/office/drawing/2014/main" id="{C8891AE3-E847-3525-6AA0-D7BFDC0EFFD3}"/>
               </a:ext>
             </a:extLst>
           </p:cNvPr>
@@ -1526,7 +1526,7 @@
           <p:cNvPr id="3" name="文本占位符 2">
             <a:extLst>
               <a:ext uri="{FF2B5EF4-FFF2-40B4-BE49-F238E27FC236}">
-                <a16:creationId xmlns:a16="http://schemas.microsoft.com/office/drawing/2014/main" id="{2D51ACBA-DEB7-FEA4-D0E9-A5634E257037}"/>
+                <a16:creationId xmlns:a16="http://schemas.microsoft.com/office/drawing/2014/main" id="{F91DCD6D-5FFB-769D-98AF-8BDC5F70DB10}"/>
               </a:ext>
             </a:extLst>
           </p:cNvPr>
@@ -1597,7 +1597,7 @@
           <p:cNvPr id="4" name="内容占位符 3">
             <a:extLst>
               <a:ext uri="{FF2B5EF4-FFF2-40B4-BE49-F238E27FC236}">
-                <a16:creationId xmlns:a16="http://schemas.microsoft.com/office/drawing/2014/main" id="{801F0E8C-1A6A-BA01-A76B-554BDD806845}"/>
+                <a16:creationId xmlns:a16="http://schemas.microsoft.com/office/drawing/2014/main" id="{3FA61F7B-FFF5-BE56-AD5A-4EC7517EC009}"/>
               </a:ext>
             </a:extLst>
           </p:cNvPr>
@@ -1659,7 +1659,7 @@
           <p:cNvPr id="5" name="文本占位符 4">
             <a:extLst>
               <a:ext uri="{FF2B5EF4-FFF2-40B4-BE49-F238E27FC236}">
-                <a16:creationId xmlns:a16="http://schemas.microsoft.com/office/drawing/2014/main" id="{426D249D-770E-0745-3694-FE016511E3CB}"/>
+                <a16:creationId xmlns:a16="http://schemas.microsoft.com/office/drawing/2014/main" id="{B0D305D6-D59F-7C03-9D90-2BB9107AF031}"/>
               </a:ext>
             </a:extLst>
           </p:cNvPr>
@@ -1730,7 +1730,7 @@
           <p:cNvPr id="6" name="内容占位符 5">
             <a:extLst>
               <a:ext uri="{FF2B5EF4-FFF2-40B4-BE49-F238E27FC236}">
-                <a16:creationId xmlns:a16="http://schemas.microsoft.com/office/drawing/2014/main" id="{E2D79E87-345A-7425-D745-AA31D13A6A59}"/>
+                <a16:creationId xmlns:a16="http://schemas.microsoft.com/office/drawing/2014/main" id="{A2E688A8-569A-0DF9-E88E-ABAF6152B359}"/>
               </a:ext>
             </a:extLst>
           </p:cNvPr>
@@ -1792,7 +1792,7 @@
           <p:cNvPr id="7" name="日期占位符 6">
             <a:extLst>
               <a:ext uri="{FF2B5EF4-FFF2-40B4-BE49-F238E27FC236}">
-                <a16:creationId xmlns:a16="http://schemas.microsoft.com/office/drawing/2014/main" id="{AC849833-A69C-1685-33F6-C177F57F6A57}"/>
+                <a16:creationId xmlns:a16="http://schemas.microsoft.com/office/drawing/2014/main" id="{774F45E3-3D41-4BEA-7748-CAE3B256C7B6}"/>
               </a:ext>
             </a:extLst>
           </p:cNvPr>
@@ -1808,7 +1808,7 @@
           <a:bodyPr/>
           <a:lstStyle/>
           <a:p>
-            <a:fld id="{A2CD8443-4593-4BFC-9CC3-312047B3BEFD}" type="datetimeFigureOut">
+            <a:fld id="{551EF760-7C2C-4FDE-A8DB-2FF7843E531E}" type="datetimeFigureOut">
               <a:rPr lang="zh-CN" altLang="en-US" smtClean="0"/>
               <a:t>2024/3/10</a:t>
             </a:fld>
@@ -1821,7 +1821,7 @@
           <p:cNvPr id="8" name="页脚占位符 7">
             <a:extLst>
               <a:ext uri="{FF2B5EF4-FFF2-40B4-BE49-F238E27FC236}">
-                <a16:creationId xmlns:a16="http://schemas.microsoft.com/office/drawing/2014/main" id="{E43257F6-2D57-C224-B496-0FE45C890B6F}"/>
+                <a16:creationId xmlns:a16="http://schemas.microsoft.com/office/drawing/2014/main" id="{74E16425-D8C0-C437-F7CF-5EC5E2675D4F}"/>
               </a:ext>
             </a:extLst>
           </p:cNvPr>
@@ -1846,7 +1846,7 @@
           <p:cNvPr id="9" name="灯片编号占位符 8">
             <a:extLst>
               <a:ext uri="{FF2B5EF4-FFF2-40B4-BE49-F238E27FC236}">
-                <a16:creationId xmlns:a16="http://schemas.microsoft.com/office/drawing/2014/main" id="{FC4514DA-31F5-F533-67AF-549EBB826ADD}"/>
+                <a16:creationId xmlns:a16="http://schemas.microsoft.com/office/drawing/2014/main" id="{5F3E2787-A839-349B-53AE-963796FC6768}"/>
               </a:ext>
             </a:extLst>
           </p:cNvPr>
@@ -1862,7 +1862,7 @@
           <a:bodyPr/>
           <a:lstStyle/>
           <a:p>
-            <a:fld id="{FA51E625-E145-476B-A325-EC8F1FC8BE0C}" type="slidenum">
+            <a:fld id="{33E2252E-A725-48E1-9F16-83FB37893C3B}" type="slidenum">
               <a:rPr lang="zh-CN" altLang="en-US" smtClean="0"/>
               <a:t>‹#›</a:t>
             </a:fld>
@@ -1873,7 +1873,7 @@
     </p:spTree>
     <p:extLst>
       <p:ext uri="{BB962C8B-B14F-4D97-AF65-F5344CB8AC3E}">
-        <p14:creationId xmlns:p14="http://schemas.microsoft.com/office/powerpoint/2010/main" val="1598297710"/>
+        <p14:creationId xmlns:p14="http://schemas.microsoft.com/office/powerpoint/2010/main" val="1847189522"/>
       </p:ext>
     </p:extLst>
   </p:cSld>
@@ -1905,7 +1905,7 @@
           <p:cNvPr id="2" name="标题 1">
             <a:extLst>
               <a:ext uri="{FF2B5EF4-FFF2-40B4-BE49-F238E27FC236}">
-                <a16:creationId xmlns:a16="http://schemas.microsoft.com/office/drawing/2014/main" id="{A49E69A1-F58E-9D8F-4507-7F6883CD29BD}"/>
+                <a16:creationId xmlns:a16="http://schemas.microsoft.com/office/drawing/2014/main" id="{58CF63C9-AFC8-B0AA-7850-AEDB1C52D5BF}"/>
               </a:ext>
             </a:extLst>
           </p:cNvPr>
@@ -1933,7 +1933,7 @@
           <p:cNvPr id="3" name="日期占位符 2">
             <a:extLst>
               <a:ext uri="{FF2B5EF4-FFF2-40B4-BE49-F238E27FC236}">
-                <a16:creationId xmlns:a16="http://schemas.microsoft.com/office/drawing/2014/main" id="{C4557D06-BB91-7770-9DE3-28221FDFD25C}"/>
+                <a16:creationId xmlns:a16="http://schemas.microsoft.com/office/drawing/2014/main" id="{71A799F5-8121-EFD4-ADAD-BC68F273425A}"/>
               </a:ext>
             </a:extLst>
           </p:cNvPr>
@@ -1949,7 +1949,7 @@
           <a:bodyPr/>
           <a:lstStyle/>
           <a:p>
-            <a:fld id="{A2CD8443-4593-4BFC-9CC3-312047B3BEFD}" type="datetimeFigureOut">
+            <a:fld id="{551EF760-7C2C-4FDE-A8DB-2FF7843E531E}" type="datetimeFigureOut">
               <a:rPr lang="zh-CN" altLang="en-US" smtClean="0"/>
               <a:t>2024/3/10</a:t>
             </a:fld>
@@ -1962,7 +1962,7 @@
           <p:cNvPr id="4" name="页脚占位符 3">
             <a:extLst>
               <a:ext uri="{FF2B5EF4-FFF2-40B4-BE49-F238E27FC236}">
-                <a16:creationId xmlns:a16="http://schemas.microsoft.com/office/drawing/2014/main" id="{0EE89821-0E4A-D621-0083-479FAA72EFBD}"/>
+                <a16:creationId xmlns:a16="http://schemas.microsoft.com/office/drawing/2014/main" id="{25BEA604-2B24-7F63-D2A7-937BCA807990}"/>
               </a:ext>
             </a:extLst>
           </p:cNvPr>
@@ -1987,7 +1987,7 @@
           <p:cNvPr id="5" name="灯片编号占位符 4">
             <a:extLst>
               <a:ext uri="{FF2B5EF4-FFF2-40B4-BE49-F238E27FC236}">
-                <a16:creationId xmlns:a16="http://schemas.microsoft.com/office/drawing/2014/main" id="{FF107CE9-D6BE-8D4C-0E5D-D780D5A68288}"/>
+                <a16:creationId xmlns:a16="http://schemas.microsoft.com/office/drawing/2014/main" id="{46560D21-1A33-7BEE-BB36-147DF97CCB19}"/>
               </a:ext>
             </a:extLst>
           </p:cNvPr>
@@ -2003,7 +2003,7 @@
           <a:bodyPr/>
           <a:lstStyle/>
           <a:p>
-            <a:fld id="{FA51E625-E145-476B-A325-EC8F1FC8BE0C}" type="slidenum">
+            <a:fld id="{33E2252E-A725-48E1-9F16-83FB37893C3B}" type="slidenum">
               <a:rPr lang="zh-CN" altLang="en-US" smtClean="0"/>
               <a:t>‹#›</a:t>
             </a:fld>
@@ -2014,7 +2014,7 @@
     </p:spTree>
     <p:extLst>
       <p:ext uri="{BB962C8B-B14F-4D97-AF65-F5344CB8AC3E}">
-        <p14:creationId xmlns:p14="http://schemas.microsoft.com/office/powerpoint/2010/main" val="4239505618"/>
+        <p14:creationId xmlns:p14="http://schemas.microsoft.com/office/powerpoint/2010/main" val="3997271036"/>
       </p:ext>
     </p:extLst>
   </p:cSld>
@@ -2046,7 +2046,7 @@
           <p:cNvPr id="2" name="日期占位符 1">
             <a:extLst>
               <a:ext uri="{FF2B5EF4-FFF2-40B4-BE49-F238E27FC236}">
-                <a16:creationId xmlns:a16="http://schemas.microsoft.com/office/drawing/2014/main" id="{065FFE8A-8DDB-83D4-E574-75B0DAC023E2}"/>
+                <a16:creationId xmlns:a16="http://schemas.microsoft.com/office/drawing/2014/main" id="{0F8470E7-AD87-66AF-9E82-2930FA483B34}"/>
               </a:ext>
             </a:extLst>
           </p:cNvPr>
@@ -2062,7 +2062,7 @@
           <a:bodyPr/>
           <a:lstStyle/>
           <a:p>
-            <a:fld id="{A2CD8443-4593-4BFC-9CC3-312047B3BEFD}" type="datetimeFigureOut">
+            <a:fld id="{551EF760-7C2C-4FDE-A8DB-2FF7843E531E}" type="datetimeFigureOut">
               <a:rPr lang="zh-CN" altLang="en-US" smtClean="0"/>
               <a:t>2024/3/10</a:t>
             </a:fld>
@@ -2075,7 +2075,7 @@
           <p:cNvPr id="3" name="页脚占位符 2">
             <a:extLst>
               <a:ext uri="{FF2B5EF4-FFF2-40B4-BE49-F238E27FC236}">
-                <a16:creationId xmlns:a16="http://schemas.microsoft.com/office/drawing/2014/main" id="{278290D8-C3A3-80F7-4619-EA0EB255A313}"/>
+                <a16:creationId xmlns:a16="http://schemas.microsoft.com/office/drawing/2014/main" id="{27C0B7A1-6C54-E052-6228-61AFCAAF61E8}"/>
               </a:ext>
             </a:extLst>
           </p:cNvPr>
@@ -2100,7 +2100,7 @@
           <p:cNvPr id="4" name="灯片编号占位符 3">
             <a:extLst>
               <a:ext uri="{FF2B5EF4-FFF2-40B4-BE49-F238E27FC236}">
-                <a16:creationId xmlns:a16="http://schemas.microsoft.com/office/drawing/2014/main" id="{303448C2-92C1-7B3A-5C98-66C2D5D3220B}"/>
+                <a16:creationId xmlns:a16="http://schemas.microsoft.com/office/drawing/2014/main" id="{A63ED9B0-EB35-3CDF-61B8-8A451CE43320}"/>
               </a:ext>
             </a:extLst>
           </p:cNvPr>
@@ -2116,7 +2116,7 @@
           <a:bodyPr/>
           <a:lstStyle/>
           <a:p>
-            <a:fld id="{FA51E625-E145-476B-A325-EC8F1FC8BE0C}" type="slidenum">
+            <a:fld id="{33E2252E-A725-48E1-9F16-83FB37893C3B}" type="slidenum">
               <a:rPr lang="zh-CN" altLang="en-US" smtClean="0"/>
               <a:t>‹#›</a:t>
             </a:fld>
@@ -2127,7 +2127,7 @@
     </p:spTree>
     <p:extLst>
       <p:ext uri="{BB962C8B-B14F-4D97-AF65-F5344CB8AC3E}">
-        <p14:creationId xmlns:p14="http://schemas.microsoft.com/office/powerpoint/2010/main" val="2798914723"/>
+        <p14:creationId xmlns:p14="http://schemas.microsoft.com/office/powerpoint/2010/main" val="226482429"/>
       </p:ext>
     </p:extLst>
   </p:cSld>
@@ -2159,7 +2159,7 @@
           <p:cNvPr id="2" name="标题 1">
             <a:extLst>
               <a:ext uri="{FF2B5EF4-FFF2-40B4-BE49-F238E27FC236}">
-                <a16:creationId xmlns:a16="http://schemas.microsoft.com/office/drawing/2014/main" id="{3AB50071-DED3-5371-E110-08ECE4A10A99}"/>
+                <a16:creationId xmlns:a16="http://schemas.microsoft.com/office/drawing/2014/main" id="{28FEE05D-3FFF-1EA5-EA83-5F4085EF80F9}"/>
               </a:ext>
             </a:extLst>
           </p:cNvPr>
@@ -2196,7 +2196,7 @@
           <p:cNvPr id="3" name="内容占位符 2">
             <a:extLst>
               <a:ext uri="{FF2B5EF4-FFF2-40B4-BE49-F238E27FC236}">
-                <a16:creationId xmlns:a16="http://schemas.microsoft.com/office/drawing/2014/main" id="{FA4E39CE-4F59-48DD-DD9B-AD740CF0BE32}"/>
+                <a16:creationId xmlns:a16="http://schemas.microsoft.com/office/drawing/2014/main" id="{842C6EE3-714B-F96F-09C2-F2905359A312}"/>
               </a:ext>
             </a:extLst>
           </p:cNvPr>
@@ -2286,7 +2286,7 @@
           <p:cNvPr id="4" name="文本占位符 3">
             <a:extLst>
               <a:ext uri="{FF2B5EF4-FFF2-40B4-BE49-F238E27FC236}">
-                <a16:creationId xmlns:a16="http://schemas.microsoft.com/office/drawing/2014/main" id="{2EDA3F0D-3876-6694-FFEE-931EE4308ABF}"/>
+                <a16:creationId xmlns:a16="http://schemas.microsoft.com/office/drawing/2014/main" id="{AEDE60CB-1295-A0FC-F418-2582B84CE76F}"/>
               </a:ext>
             </a:extLst>
           </p:cNvPr>
@@ -2357,7 +2357,7 @@
           <p:cNvPr id="5" name="日期占位符 4">
             <a:extLst>
               <a:ext uri="{FF2B5EF4-FFF2-40B4-BE49-F238E27FC236}">
-                <a16:creationId xmlns:a16="http://schemas.microsoft.com/office/drawing/2014/main" id="{9F3737FF-27A9-A56E-835A-DC7B93D83547}"/>
+                <a16:creationId xmlns:a16="http://schemas.microsoft.com/office/drawing/2014/main" id="{30656C9C-2847-D3CD-7AF5-33D601A347AB}"/>
               </a:ext>
             </a:extLst>
           </p:cNvPr>
@@ -2373,7 +2373,7 @@
           <a:bodyPr/>
           <a:lstStyle/>
           <a:p>
-            <a:fld id="{A2CD8443-4593-4BFC-9CC3-312047B3BEFD}" type="datetimeFigureOut">
+            <a:fld id="{551EF760-7C2C-4FDE-A8DB-2FF7843E531E}" type="datetimeFigureOut">
               <a:rPr lang="zh-CN" altLang="en-US" smtClean="0"/>
               <a:t>2024/3/10</a:t>
             </a:fld>
@@ -2386,7 +2386,7 @@
           <p:cNvPr id="6" name="页脚占位符 5">
             <a:extLst>
               <a:ext uri="{FF2B5EF4-FFF2-40B4-BE49-F238E27FC236}">
-                <a16:creationId xmlns:a16="http://schemas.microsoft.com/office/drawing/2014/main" id="{33E26983-28FD-B78A-E6DB-C38E17361900}"/>
+                <a16:creationId xmlns:a16="http://schemas.microsoft.com/office/drawing/2014/main" id="{923AAE35-4FD0-2AD9-0FF8-D86FEDD84702}"/>
               </a:ext>
             </a:extLst>
           </p:cNvPr>
@@ -2411,7 +2411,7 @@
           <p:cNvPr id="7" name="灯片编号占位符 6">
             <a:extLst>
               <a:ext uri="{FF2B5EF4-FFF2-40B4-BE49-F238E27FC236}">
-                <a16:creationId xmlns:a16="http://schemas.microsoft.com/office/drawing/2014/main" id="{A42CBA30-6D3E-86F8-5F70-52D8135886C3}"/>
+                <a16:creationId xmlns:a16="http://schemas.microsoft.com/office/drawing/2014/main" id="{2F375A45-EA30-D92F-086E-20F1CF06FEEB}"/>
               </a:ext>
             </a:extLst>
           </p:cNvPr>
@@ -2427,7 +2427,7 @@
           <a:bodyPr/>
           <a:lstStyle/>
           <a:p>
-            <a:fld id="{FA51E625-E145-476B-A325-EC8F1FC8BE0C}" type="slidenum">
+            <a:fld id="{33E2252E-A725-48E1-9F16-83FB37893C3B}" type="slidenum">
               <a:rPr lang="zh-CN" altLang="en-US" smtClean="0"/>
               <a:t>‹#›</a:t>
             </a:fld>
@@ -2438,7 +2438,7 @@
     </p:spTree>
     <p:extLst>
       <p:ext uri="{BB962C8B-B14F-4D97-AF65-F5344CB8AC3E}">
-        <p14:creationId xmlns:p14="http://schemas.microsoft.com/office/powerpoint/2010/main" val="3259803056"/>
+        <p14:creationId xmlns:p14="http://schemas.microsoft.com/office/powerpoint/2010/main" val="3925981803"/>
       </p:ext>
     </p:extLst>
   </p:cSld>
@@ -2470,7 +2470,7 @@
           <p:cNvPr id="2" name="标题 1">
             <a:extLst>
               <a:ext uri="{FF2B5EF4-FFF2-40B4-BE49-F238E27FC236}">
-                <a16:creationId xmlns:a16="http://schemas.microsoft.com/office/drawing/2014/main" id="{1F31E18F-4BA6-6368-84AB-1DA4C89EA01F}"/>
+                <a16:creationId xmlns:a16="http://schemas.microsoft.com/office/drawing/2014/main" id="{5F31E280-BDF0-7DA7-B7D4-0338389E97CA}"/>
               </a:ext>
             </a:extLst>
           </p:cNvPr>
@@ -2507,7 +2507,7 @@
           <p:cNvPr id="3" name="图片占位符 2">
             <a:extLst>
               <a:ext uri="{FF2B5EF4-FFF2-40B4-BE49-F238E27FC236}">
-                <a16:creationId xmlns:a16="http://schemas.microsoft.com/office/drawing/2014/main" id="{22EB2573-F2E3-205C-A378-B48020E83947}"/>
+                <a16:creationId xmlns:a16="http://schemas.microsoft.com/office/drawing/2014/main" id="{325BA87B-99FA-5E75-90AA-2B773A5B278A}"/>
               </a:ext>
             </a:extLst>
           </p:cNvPr>
@@ -2574,7 +2574,7 @@
           <p:cNvPr id="4" name="文本占位符 3">
             <a:extLst>
               <a:ext uri="{FF2B5EF4-FFF2-40B4-BE49-F238E27FC236}">
-                <a16:creationId xmlns:a16="http://schemas.microsoft.com/office/drawing/2014/main" id="{F4A030E9-F54A-ED97-890C-4DDC6992906D}"/>
+                <a16:creationId xmlns:a16="http://schemas.microsoft.com/office/drawing/2014/main" id="{7FB0CD2D-1B70-9B09-2271-7307183DE733}"/>
               </a:ext>
             </a:extLst>
           </p:cNvPr>
@@ -2645,7 +2645,7 @@
           <p:cNvPr id="5" name="日期占位符 4">
             <a:extLst>
               <a:ext uri="{FF2B5EF4-FFF2-40B4-BE49-F238E27FC236}">
-                <a16:creationId xmlns:a16="http://schemas.microsoft.com/office/drawing/2014/main" id="{9B6C0602-9DA5-C1F5-1B1C-02BE2D88E9E6}"/>
+                <a16:creationId xmlns:a16="http://schemas.microsoft.com/office/drawing/2014/main" id="{E9B7F4B6-2FD3-BC64-F8D8-9FE802B18DF6}"/>
               </a:ext>
             </a:extLst>
           </p:cNvPr>
@@ -2661,7 +2661,7 @@
           <a:bodyPr/>
           <a:lstStyle/>
           <a:p>
-            <a:fld id="{A2CD8443-4593-4BFC-9CC3-312047B3BEFD}" type="datetimeFigureOut">
+            <a:fld id="{551EF760-7C2C-4FDE-A8DB-2FF7843E531E}" type="datetimeFigureOut">
               <a:rPr lang="zh-CN" altLang="en-US" smtClean="0"/>
               <a:t>2024/3/10</a:t>
             </a:fld>
@@ -2674,7 +2674,7 @@
           <p:cNvPr id="6" name="页脚占位符 5">
             <a:extLst>
               <a:ext uri="{FF2B5EF4-FFF2-40B4-BE49-F238E27FC236}">
-                <a16:creationId xmlns:a16="http://schemas.microsoft.com/office/drawing/2014/main" id="{BEF22A08-D6EF-82AA-F36C-4743EE428668}"/>
+                <a16:creationId xmlns:a16="http://schemas.microsoft.com/office/drawing/2014/main" id="{11B357E1-135B-1858-D16E-26904EE723BD}"/>
               </a:ext>
             </a:extLst>
           </p:cNvPr>
@@ -2699,7 +2699,7 @@
           <p:cNvPr id="7" name="灯片编号占位符 6">
             <a:extLst>
               <a:ext uri="{FF2B5EF4-FFF2-40B4-BE49-F238E27FC236}">
-                <a16:creationId xmlns:a16="http://schemas.microsoft.com/office/drawing/2014/main" id="{0A1A81D3-1C1B-7A78-94E1-4B249FD9113B}"/>
+                <a16:creationId xmlns:a16="http://schemas.microsoft.com/office/drawing/2014/main" id="{F1DD2937-007C-211E-C267-CFDDC8665741}"/>
               </a:ext>
             </a:extLst>
           </p:cNvPr>
@@ -2715,7 +2715,7 @@
           <a:bodyPr/>
           <a:lstStyle/>
           <a:p>
-            <a:fld id="{FA51E625-E145-476B-A325-EC8F1FC8BE0C}" type="slidenum">
+            <a:fld id="{33E2252E-A725-48E1-9F16-83FB37893C3B}" type="slidenum">
               <a:rPr lang="zh-CN" altLang="en-US" smtClean="0"/>
               <a:t>‹#›</a:t>
             </a:fld>
@@ -2726,7 +2726,7 @@
     </p:spTree>
     <p:extLst>
       <p:ext uri="{BB962C8B-B14F-4D97-AF65-F5344CB8AC3E}">
-        <p14:creationId xmlns:p14="http://schemas.microsoft.com/office/powerpoint/2010/main" val="2658774538"/>
+        <p14:creationId xmlns:p14="http://schemas.microsoft.com/office/powerpoint/2010/main" val="3883719523"/>
       </p:ext>
     </p:extLst>
   </p:cSld>
@@ -2763,7 +2763,7 @@
           <p:cNvPr id="2" name="标题占位符 1">
             <a:extLst>
               <a:ext uri="{FF2B5EF4-FFF2-40B4-BE49-F238E27FC236}">
-                <a16:creationId xmlns:a16="http://schemas.microsoft.com/office/drawing/2014/main" id="{D78A1CDD-4871-61CB-39E9-6716B2A6A334}"/>
+                <a16:creationId xmlns:a16="http://schemas.microsoft.com/office/drawing/2014/main" id="{08713BE8-AC20-E63F-4B07-F810AA033DAB}"/>
               </a:ext>
             </a:extLst>
           </p:cNvPr>
@@ -2801,7 +2801,7 @@
           <p:cNvPr id="3" name="文本占位符 2">
             <a:extLst>
               <a:ext uri="{FF2B5EF4-FFF2-40B4-BE49-F238E27FC236}">
-                <a16:creationId xmlns:a16="http://schemas.microsoft.com/office/drawing/2014/main" id="{9B946C7F-A65E-9E0B-7979-8C8C0790BF31}"/>
+                <a16:creationId xmlns:a16="http://schemas.microsoft.com/office/drawing/2014/main" id="{9B5CEEE8-92D4-0BA5-51BA-A3DCE12057B5}"/>
               </a:ext>
             </a:extLst>
           </p:cNvPr>
@@ -2868,7 +2868,7 @@
           <p:cNvPr id="4" name="日期占位符 3">
             <a:extLst>
               <a:ext uri="{FF2B5EF4-FFF2-40B4-BE49-F238E27FC236}">
-                <a16:creationId xmlns:a16="http://schemas.microsoft.com/office/drawing/2014/main" id="{4A8FEA3F-241F-E047-463F-E74628B67312}"/>
+                <a16:creationId xmlns:a16="http://schemas.microsoft.com/office/drawing/2014/main" id="{FA3E5962-BDF2-9248-60B8-333EA7BF6ED1}"/>
               </a:ext>
             </a:extLst>
           </p:cNvPr>
@@ -2902,7 +2902,7 @@
             </a:lvl1pPr>
           </a:lstStyle>
           <a:p>
-            <a:fld id="{A2CD8443-4593-4BFC-9CC3-312047B3BEFD}" type="datetimeFigureOut">
+            <a:fld id="{551EF760-7C2C-4FDE-A8DB-2FF7843E531E}" type="datetimeFigureOut">
               <a:rPr lang="zh-CN" altLang="en-US" smtClean="0"/>
               <a:t>2024/3/10</a:t>
             </a:fld>
@@ -2915,7 +2915,7 @@
           <p:cNvPr id="5" name="页脚占位符 4">
             <a:extLst>
               <a:ext uri="{FF2B5EF4-FFF2-40B4-BE49-F238E27FC236}">
-                <a16:creationId xmlns:a16="http://schemas.microsoft.com/office/drawing/2014/main" id="{663EC9E4-68C5-517F-3191-E501721C71AB}"/>
+                <a16:creationId xmlns:a16="http://schemas.microsoft.com/office/drawing/2014/main" id="{A4245C89-C342-026E-E120-B1E123C0A08D}"/>
               </a:ext>
             </a:extLst>
           </p:cNvPr>
@@ -2958,7 +2958,7 @@
           <p:cNvPr id="6" name="灯片编号占位符 5">
             <a:extLst>
               <a:ext uri="{FF2B5EF4-FFF2-40B4-BE49-F238E27FC236}">
-                <a16:creationId xmlns:a16="http://schemas.microsoft.com/office/drawing/2014/main" id="{F0A89987-D6C9-062C-6550-C17FB66FC602}"/>
+                <a16:creationId xmlns:a16="http://schemas.microsoft.com/office/drawing/2014/main" id="{F07D3A02-3DFD-E32E-003C-BFAD82E50925}"/>
               </a:ext>
             </a:extLst>
           </p:cNvPr>
@@ -2992,7 +2992,7 @@
             </a:lvl1pPr>
           </a:lstStyle>
           <a:p>
-            <a:fld id="{FA51E625-E145-476B-A325-EC8F1FC8BE0C}" type="slidenum">
+            <a:fld id="{33E2252E-A725-48E1-9F16-83FB37893C3B}" type="slidenum">
               <a:rPr lang="zh-CN" altLang="en-US" smtClean="0"/>
               <a:t>‹#›</a:t>
             </a:fld>
@@ -3003,7 +3003,7 @@
     </p:spTree>
     <p:extLst>
       <p:ext uri="{BB962C8B-B14F-4D97-AF65-F5344CB8AC3E}">
-        <p14:creationId xmlns:p14="http://schemas.microsoft.com/office/powerpoint/2010/main" val="1588994105"/>
+        <p14:creationId xmlns:p14="http://schemas.microsoft.com/office/powerpoint/2010/main" val="2115177473"/>
       </p:ext>
     </p:extLst>
   </p:cSld>
@@ -3323,7 +3323,7 @@
       </p:grpSpPr>
       <p:pic>
         <p:nvPicPr>
-          <p:cNvPr id="975874" name="Picture 2" descr="952"/>
+          <p:cNvPr id="976898" name="Picture 2" descr="953"/>
           <p:cNvPicPr>
             <a:picLocks noChangeAspect="1" noChangeArrowheads="1"/>
           </p:cNvPicPr>
